--- a/powerpoint/presentacion-curso.pptx
+++ b/powerpoint/presentacion-curso.pptx
@@ -100,7 +100,7 @@
         <p:spPr>
           <a:xfrm>
             <a:off x="838080" y="365040"/>
-            <a:ext cx="10514880" cy="1324800"/>
+            <a:ext cx="10514160" cy="1324080"/>
           </a:xfrm>
           <a:prstGeom prst="rect">
             <a:avLst/>
@@ -140,7 +140,7 @@
         <p:spPr>
           <a:xfrm>
             <a:off x="838080" y="1825560"/>
-            <a:ext cx="10514880" cy="4350600"/>
+            <a:ext cx="10514160" cy="4349880"/>
           </a:xfrm>
           <a:prstGeom prst="rect">
             <a:avLst/>
@@ -201,7 +201,7 @@
         <p:txBody>
           <a:bodyPr/>
           <a:p>
-            <a:fld id="{95BEE68A-89D3-48E6-8187-148B670FC254}" type="slidenum">
+            <a:fld id="{D5667BC3-BA3D-41A1-92D1-CE55D1E86906}" type="slidenum">
               <a:t>&lt;#&gt;</a:t>
             </a:fld>
           </a:p>
@@ -284,7 +284,7 @@
         <p:txBody>
           <a:bodyPr/>
           <a:p>
-            <a:fld id="{42E0143F-E69D-4685-A57E-B9C88E97ABF0}" type="slidenum">
+            <a:fld id="{A1F45D1B-73CA-47D0-A296-7EE429DBCA14}" type="slidenum">
               <a:t>&lt;#&gt;</a:t>
             </a:fld>
           </a:p>
@@ -367,7 +367,7 @@
         <p:txBody>
           <a:bodyPr/>
           <a:p>
-            <a:fld id="{23C46797-7B5E-4864-B37C-CC52F08C862F}" type="slidenum">
+            <a:fld id="{3A366B09-6EED-416C-8BE3-BC06AB1448E8}" type="slidenum">
               <a:t>&lt;#&gt;</a:t>
             </a:fld>
           </a:p>
@@ -450,7 +450,7 @@
         <p:txBody>
           <a:bodyPr/>
           <a:p>
-            <a:fld id="{5ABA9B22-6224-44AE-B26C-E3A4AEA4C736}" type="slidenum">
+            <a:fld id="{499137EF-9D7B-43C7-9383-7D3260C7B5DD}" type="slidenum">
               <a:t>&lt;#&gt;</a:t>
             </a:fld>
           </a:p>
@@ -533,7 +533,7 @@
         <p:txBody>
           <a:bodyPr/>
           <a:p>
-            <a:fld id="{E65DD439-70BB-4C2F-A85E-65F98AEF2D25}" type="slidenum">
+            <a:fld id="{7780A007-583E-4EF0-97D1-4CDB273770EE}" type="slidenum">
               <a:t>&lt;#&gt;</a:t>
             </a:fld>
           </a:p>
@@ -595,7 +595,7 @@
         <p:spPr>
           <a:xfrm>
             <a:off x="838080" y="365040"/>
-            <a:ext cx="10514880" cy="1324800"/>
+            <a:ext cx="10514160" cy="1324080"/>
           </a:xfrm>
           <a:prstGeom prst="rect">
             <a:avLst/>
@@ -635,7 +635,7 @@
         <p:spPr>
           <a:xfrm>
             <a:off x="838080" y="1825560"/>
-            <a:ext cx="10514880" cy="4350600"/>
+            <a:ext cx="10514160" cy="4349880"/>
           </a:xfrm>
           <a:prstGeom prst="rect">
             <a:avLst/>
@@ -699,7 +699,7 @@
         <p:txBody>
           <a:bodyPr/>
           <a:p>
-            <a:fld id="{474A78E2-2E6B-4324-88C4-848C59806E96}" type="slidenum">
+            <a:fld id="{6A2C8790-ECC1-40A5-ABFE-905D6BE25573}" type="slidenum">
               <a:t>&lt;#&gt;</a:t>
             </a:fld>
           </a:p>
@@ -782,7 +782,7 @@
         <p:txBody>
           <a:bodyPr/>
           <a:p>
-            <a:fld id="{9A60255F-4A9E-4DEE-A631-DEE25714EE22}" type="slidenum">
+            <a:fld id="{61916F65-20C6-4FDB-9B84-3AF5CBC2B840}" type="slidenum">
               <a:t>&lt;#&gt;</a:t>
             </a:fld>
           </a:p>
@@ -844,7 +844,7 @@
         <p:spPr>
           <a:xfrm>
             <a:off x="838080" y="365040"/>
-            <a:ext cx="10514880" cy="1324800"/>
+            <a:ext cx="10514160" cy="1324080"/>
           </a:xfrm>
           <a:prstGeom prst="rect">
             <a:avLst/>
@@ -884,7 +884,7 @@
         <p:spPr>
           <a:xfrm>
             <a:off x="838080" y="1825560"/>
-            <a:ext cx="5131080" cy="4350600"/>
+            <a:ext cx="5130720" cy="4349880"/>
           </a:xfrm>
           <a:prstGeom prst="rect">
             <a:avLst/>
@@ -926,8 +926,8 @@
         </p:nvSpPr>
         <p:spPr>
           <a:xfrm>
-            <a:off x="6226200" y="1825560"/>
-            <a:ext cx="5131080" cy="4350600"/>
+            <a:off x="6225840" y="1825560"/>
+            <a:ext cx="5130720" cy="4349880"/>
           </a:xfrm>
           <a:prstGeom prst="rect">
             <a:avLst/>
@@ -991,7 +991,7 @@
         <p:txBody>
           <a:bodyPr/>
           <a:p>
-            <a:fld id="{4FD7B016-1FFF-4FFD-9100-14654F84B8A5}" type="slidenum">
+            <a:fld id="{93443716-8F03-494A-810A-BC656490EC75}" type="slidenum">
               <a:t>&lt;#&gt;</a:t>
             </a:fld>
           </a:p>
@@ -1074,7 +1074,7 @@
         <p:txBody>
           <a:bodyPr/>
           <a:p>
-            <a:fld id="{6C804C45-3AE8-4EF8-A759-99969A0F1871}" type="slidenum">
+            <a:fld id="{3DE08E76-21B6-4B4E-A351-0AB7634D48A0}" type="slidenum">
               <a:t>&lt;#&gt;</a:t>
             </a:fld>
           </a:p>
@@ -1136,7 +1136,7 @@
         <p:spPr>
           <a:xfrm>
             <a:off x="838080" y="365040"/>
-            <a:ext cx="10514880" cy="1324800"/>
+            <a:ext cx="10514160" cy="1324080"/>
           </a:xfrm>
           <a:prstGeom prst="rect">
             <a:avLst/>
@@ -1197,7 +1197,7 @@
         <p:txBody>
           <a:bodyPr/>
           <a:p>
-            <a:fld id="{6C32331E-0FAC-4958-9FD2-C3FC4C11C6BE}" type="slidenum">
+            <a:fld id="{2A9DA177-DCDB-43CA-9666-96F774D330C4}" type="slidenum">
               <a:t>&lt;#&gt;</a:t>
             </a:fld>
           </a:p>
@@ -1280,7 +1280,7 @@
         <p:txBody>
           <a:bodyPr/>
           <a:p>
-            <a:fld id="{0281B529-94AB-4A2B-8499-FDF57E86914E}" type="slidenum">
+            <a:fld id="{4B9B7AD0-9E97-4A72-9534-C4150A396A71}" type="slidenum">
               <a:t>&lt;#&gt;</a:t>
             </a:fld>
           </a:p>
@@ -1349,7 +1349,7 @@
         <p:spPr>
           <a:xfrm>
             <a:off x="838080" y="365040"/>
-            <a:ext cx="10514880" cy="1324800"/>
+            <a:ext cx="10514160" cy="1324080"/>
           </a:xfrm>
           <a:prstGeom prst="rect">
             <a:avLst/>
@@ -1374,7 +1374,7 @@
                 </a:solidFill>
                 <a:latin typeface="Arial"/>
               </a:rPr>
-              <a:t>Pulse para editar el formato del texto de título</a:t>
+              <a:t>Click to edit the title text format</a:t>
             </a:r>
             <a:endParaRPr b="0" lang="es-ES" sz="1800" spc="-1" strike="noStrike">
               <a:solidFill>
@@ -1398,7 +1398,7 @@
         <p:spPr>
           <a:xfrm>
             <a:off x="4038480" y="6356520"/>
-            <a:ext cx="4114080" cy="364320"/>
+            <a:ext cx="4113360" cy="363600"/>
           </a:xfrm>
           <a:prstGeom prst="rect">
             <a:avLst/>
@@ -1446,7 +1446,7 @@
                 </a:solidFill>
                 <a:latin typeface="Times New Roman"/>
               </a:rPr>
-              <a:t> </a:t>
+              <a:t>&lt;footer&gt;</a:t>
             </a:r>
             <a:endParaRPr b="0" lang="es-ES" sz="1400" spc="-1" strike="noStrike">
               <a:solidFill>
@@ -1470,7 +1470,7 @@
         <p:spPr>
           <a:xfrm>
             <a:off x="8610480" y="6356520"/>
-            <a:ext cx="2742480" cy="364320"/>
+            <a:ext cx="2741760" cy="363600"/>
           </a:xfrm>
           <a:prstGeom prst="rect">
             <a:avLst/>
@@ -1513,7 +1513,7 @@
                 <a:tab algn="l" pos="0"/>
               </a:tabLst>
             </a:pPr>
-            <a:fld id="{6BA9F1C1-43B6-4D0F-B826-CBFA4351FD5A}" type="slidenum">
+            <a:fld id="{46C9BEA8-2A19-42B1-9182-F36FD8ACC3E8}" type="slidenum">
               <a:rPr b="0" lang="es-AR" sz="1200" spc="-1" strike="noStrike">
                 <a:solidFill>
                   <a:schemeClr val="dk1">
@@ -1522,7 +1522,7 @@
                 </a:solidFill>
                 <a:latin typeface="Calibri"/>
               </a:rPr>
-              <a:t>45</a:t>
+              <a:t>&lt;number&gt;</a:t>
             </a:fld>
             <a:endParaRPr b="0" lang="es-ES" sz="1200" spc="-1" strike="noStrike">
               <a:solidFill>
@@ -1546,7 +1546,7 @@
         <p:spPr>
           <a:xfrm>
             <a:off x="838080" y="6356520"/>
-            <a:ext cx="2742480" cy="364320"/>
+            <a:ext cx="2741760" cy="363600"/>
           </a:xfrm>
           <a:prstGeom prst="rect">
             <a:avLst/>
@@ -1582,7 +1582,7 @@
                 </a:solidFill>
                 <a:latin typeface="Times New Roman"/>
               </a:rPr>
-              <a:t> </a:t>
+              <a:t>&lt;date/time&gt;</a:t>
             </a:r>
             <a:endParaRPr b="0" lang="es-ES" sz="1400" spc="-1" strike="noStrike">
               <a:solidFill>
@@ -1639,7 +1639,7 @@
                 </a:solidFill>
                 <a:latin typeface="Arial"/>
               </a:rPr>
-              <a:t>Pulse para editar el formato de texto del esquema</a:t>
+              <a:t>Click to edit the outline text format</a:t>
             </a:r>
             <a:endParaRPr b="0" lang="es-ES" sz="3200" spc="-1" strike="noStrike">
               <a:solidFill>
@@ -1667,7 +1667,7 @@
                 </a:solidFill>
                 <a:latin typeface="Arial"/>
               </a:rPr>
-              <a:t>Segundo nivel del esquema</a:t>
+              <a:t>Second Outline Level</a:t>
             </a:r>
             <a:endParaRPr b="0" lang="es-ES" sz="2800" spc="-1" strike="noStrike">
               <a:solidFill>
@@ -1695,7 +1695,7 @@
                 </a:solidFill>
                 <a:latin typeface="Arial"/>
               </a:rPr>
-              <a:t>Tercer nivel del esquema</a:t>
+              <a:t>Third Outline Level</a:t>
             </a:r>
             <a:endParaRPr b="0" lang="es-ES" sz="2400" spc="-1" strike="noStrike">
               <a:solidFill>
@@ -1723,7 +1723,7 @@
                 </a:solidFill>
                 <a:latin typeface="Arial"/>
               </a:rPr>
-              <a:t>Cuarto nivel del esquema</a:t>
+              <a:t>Fourth Outline Level</a:t>
             </a:r>
             <a:endParaRPr b="0" lang="es-ES" sz="2000" spc="-1" strike="noStrike">
               <a:solidFill>
@@ -1751,7 +1751,7 @@
                 </a:solidFill>
                 <a:latin typeface="Arial"/>
               </a:rPr>
-              <a:t>Quinto nivel del esquema</a:t>
+              <a:t>Fifth Outline Level</a:t>
             </a:r>
             <a:endParaRPr b="0" lang="es-ES" sz="2000" spc="-1" strike="noStrike">
               <a:solidFill>
@@ -1779,7 +1779,7 @@
                 </a:solidFill>
                 <a:latin typeface="Arial"/>
               </a:rPr>
-              <a:t>Sexto nivel del esquema</a:t>
+              <a:t>Sixth Outline Level</a:t>
             </a:r>
             <a:endParaRPr b="0" lang="es-ES" sz="2000" spc="-1" strike="noStrike">
               <a:solidFill>
@@ -1807,7 +1807,7 @@
                 </a:solidFill>
                 <a:latin typeface="Arial"/>
               </a:rPr>
-              <a:t>Séptimo nivel del esquema</a:t>
+              <a:t>Seventh Outline Level</a:t>
             </a:r>
             <a:endParaRPr b="0" lang="es-ES" sz="2000" spc="-1" strike="noStrike">
               <a:solidFill>
@@ -1864,7 +1864,7 @@
         <p:spPr>
           <a:xfrm>
             <a:off x="4038480" y="6356520"/>
-            <a:ext cx="4114080" cy="364320"/>
+            <a:ext cx="4113360" cy="363600"/>
           </a:xfrm>
           <a:prstGeom prst="rect">
             <a:avLst/>
@@ -1912,7 +1912,7 @@
                 </a:solidFill>
                 <a:latin typeface="Times New Roman"/>
               </a:rPr>
-              <a:t>&lt;pie de página&gt;</a:t>
+              <a:t>&lt;footer&gt;</a:t>
             </a:r>
             <a:endParaRPr b="0" lang="es-ES" sz="1400" spc="-1" strike="noStrike">
               <a:solidFill>
@@ -1936,7 +1936,7 @@
         <p:spPr>
           <a:xfrm>
             <a:off x="8610480" y="6356520"/>
-            <a:ext cx="2742480" cy="364320"/>
+            <a:ext cx="2741760" cy="363600"/>
           </a:xfrm>
           <a:prstGeom prst="rect">
             <a:avLst/>
@@ -1979,7 +1979,7 @@
                 <a:tab algn="l" pos="0"/>
               </a:tabLst>
             </a:pPr>
-            <a:fld id="{02A900C3-8397-4E51-88C9-151E4927207A}" type="slidenum">
+            <a:fld id="{C6C58B76-F389-4F5E-8BE3-70AA37E2662B}" type="slidenum">
               <a:rPr b="0" lang="es-AR" sz="1200" spc="-1" strike="noStrike">
                 <a:solidFill>
                   <a:schemeClr val="dk1">
@@ -1988,7 +1988,7 @@
                 </a:solidFill>
                 <a:latin typeface="Calibri"/>
               </a:rPr>
-              <a:t>&lt;número&gt;</a:t>
+              <a:t>&lt;number&gt;</a:t>
             </a:fld>
             <a:endParaRPr b="0" lang="es-ES" sz="1200" spc="-1" strike="noStrike">
               <a:solidFill>
@@ -2012,7 +2012,7 @@
         <p:spPr>
           <a:xfrm>
             <a:off x="838080" y="6356520"/>
-            <a:ext cx="2742480" cy="364320"/>
+            <a:ext cx="2741760" cy="363600"/>
           </a:xfrm>
           <a:prstGeom prst="rect">
             <a:avLst/>
@@ -2048,7 +2048,7 @@
                 </a:solidFill>
                 <a:latin typeface="Times New Roman"/>
               </a:rPr>
-              <a:t>&lt;fecha/hora&gt;</a:t>
+              <a:t>&lt;date/time&gt;</a:t>
             </a:r>
             <a:endParaRPr b="0" lang="es-ES" sz="1400" spc="-1" strike="noStrike">
               <a:solidFill>
@@ -2105,7 +2105,7 @@
         <p:spPr>
           <a:xfrm>
             <a:off x="4038480" y="6356520"/>
-            <a:ext cx="4114080" cy="364320"/>
+            <a:ext cx="4113360" cy="363600"/>
           </a:xfrm>
           <a:prstGeom prst="rect">
             <a:avLst/>
@@ -2153,7 +2153,7 @@
                 </a:solidFill>
                 <a:latin typeface="Times New Roman"/>
               </a:rPr>
-              <a:t>&lt;pie de página&gt;</a:t>
+              <a:t>&lt;footer&gt;</a:t>
             </a:r>
             <a:endParaRPr b="0" lang="es-ES" sz="1400" spc="-1" strike="noStrike">
               <a:solidFill>
@@ -2177,7 +2177,7 @@
         <p:spPr>
           <a:xfrm>
             <a:off x="8610480" y="6356520"/>
-            <a:ext cx="2742480" cy="364320"/>
+            <a:ext cx="2741760" cy="363600"/>
           </a:xfrm>
           <a:prstGeom prst="rect">
             <a:avLst/>
@@ -2220,7 +2220,7 @@
                 <a:tab algn="l" pos="0"/>
               </a:tabLst>
             </a:pPr>
-            <a:fld id="{96423419-6ED2-4624-B81B-37E3E465FB88}" type="slidenum">
+            <a:fld id="{78D14085-38D2-45B7-8573-303CF3B2E35B}" type="slidenum">
               <a:rPr b="0" lang="es-AR" sz="1200" spc="-1" strike="noStrike">
                 <a:solidFill>
                   <a:schemeClr val="dk1">
@@ -2229,7 +2229,7 @@
                 </a:solidFill>
                 <a:latin typeface="Calibri"/>
               </a:rPr>
-              <a:t>&lt;número&gt;</a:t>
+              <a:t>&lt;number&gt;</a:t>
             </a:fld>
             <a:endParaRPr b="0" lang="es-ES" sz="1200" spc="-1" strike="noStrike">
               <a:solidFill>
@@ -2253,7 +2253,7 @@
         <p:spPr>
           <a:xfrm>
             <a:off x="838080" y="6356520"/>
-            <a:ext cx="2742480" cy="364320"/>
+            <a:ext cx="2741760" cy="363600"/>
           </a:xfrm>
           <a:prstGeom prst="rect">
             <a:avLst/>
@@ -2289,7 +2289,7 @@
                 </a:solidFill>
                 <a:latin typeface="Times New Roman"/>
               </a:rPr>
-              <a:t>&lt;fecha/hora&gt;</a:t>
+              <a:t>&lt;date/time&gt;</a:t>
             </a:r>
             <a:endParaRPr b="0" lang="es-ES" sz="1400" spc="-1" strike="noStrike">
               <a:solidFill>
@@ -2346,7 +2346,7 @@
         <p:spPr>
           <a:xfrm>
             <a:off x="4038480" y="6356520"/>
-            <a:ext cx="4114080" cy="364320"/>
+            <a:ext cx="4113360" cy="363600"/>
           </a:xfrm>
           <a:prstGeom prst="rect">
             <a:avLst/>
@@ -2394,7 +2394,7 @@
                 </a:solidFill>
                 <a:latin typeface="Times New Roman"/>
               </a:rPr>
-              <a:t>&lt;pie de página&gt;</a:t>
+              <a:t>&lt;footer&gt;</a:t>
             </a:r>
             <a:endParaRPr b="0" lang="es-ES" sz="1400" spc="-1" strike="noStrike">
               <a:solidFill>
@@ -2418,7 +2418,7 @@
         <p:spPr>
           <a:xfrm>
             <a:off x="8610480" y="6356520"/>
-            <a:ext cx="2742480" cy="364320"/>
+            <a:ext cx="2741760" cy="363600"/>
           </a:xfrm>
           <a:prstGeom prst="rect">
             <a:avLst/>
@@ -2461,7 +2461,7 @@
                 <a:tab algn="l" pos="0"/>
               </a:tabLst>
             </a:pPr>
-            <a:fld id="{F9A889D9-9FAE-4433-8245-CC2D651DF879}" type="slidenum">
+            <a:fld id="{6C1FFF3F-F56C-404C-8F99-0DA9A5BFE204}" type="slidenum">
               <a:rPr b="0" lang="es-AR" sz="1200" spc="-1" strike="noStrike">
                 <a:solidFill>
                   <a:schemeClr val="dk1">
@@ -2470,7 +2470,7 @@
                 </a:solidFill>
                 <a:latin typeface="Calibri"/>
               </a:rPr>
-              <a:t>&lt;número&gt;</a:t>
+              <a:t>&lt;number&gt;</a:t>
             </a:fld>
             <a:endParaRPr b="0" lang="es-ES" sz="1200" spc="-1" strike="noStrike">
               <a:solidFill>
@@ -2494,7 +2494,7 @@
         <p:spPr>
           <a:xfrm>
             <a:off x="838080" y="6356520"/>
-            <a:ext cx="2742480" cy="364320"/>
+            <a:ext cx="2741760" cy="363600"/>
           </a:xfrm>
           <a:prstGeom prst="rect">
             <a:avLst/>
@@ -2530,7 +2530,7 @@
                 </a:solidFill>
                 <a:latin typeface="Times New Roman"/>
               </a:rPr>
-              <a:t>&lt;fecha/hora&gt;</a:t>
+              <a:t>&lt;date/time&gt;</a:t>
             </a:r>
             <a:endParaRPr b="0" lang="es-ES" sz="1400" spc="-1" strike="noStrike">
               <a:solidFill>
@@ -2587,7 +2587,7 @@
         <p:spPr>
           <a:xfrm>
             <a:off x="4038480" y="6356520"/>
-            <a:ext cx="4114080" cy="364320"/>
+            <a:ext cx="4113360" cy="363600"/>
           </a:xfrm>
           <a:prstGeom prst="rect">
             <a:avLst/>
@@ -2635,7 +2635,7 @@
                 </a:solidFill>
                 <a:latin typeface="Times New Roman"/>
               </a:rPr>
-              <a:t>&lt;pie de página&gt;</a:t>
+              <a:t>&lt;footer&gt;</a:t>
             </a:r>
             <a:endParaRPr b="0" lang="es-ES" sz="1400" spc="-1" strike="noStrike">
               <a:solidFill>
@@ -2659,7 +2659,7 @@
         <p:spPr>
           <a:xfrm>
             <a:off x="8610480" y="6356520"/>
-            <a:ext cx="2742480" cy="364320"/>
+            <a:ext cx="2741760" cy="363600"/>
           </a:xfrm>
           <a:prstGeom prst="rect">
             <a:avLst/>
@@ -2702,7 +2702,7 @@
                 <a:tab algn="l" pos="0"/>
               </a:tabLst>
             </a:pPr>
-            <a:fld id="{C0306E68-06CC-434F-BA85-B2A1FC935745}" type="slidenum">
+            <a:fld id="{D3C234F1-2D81-4ECB-9FCD-C7FD19D80BDC}" type="slidenum">
               <a:rPr b="0" lang="es-AR" sz="1200" spc="-1" strike="noStrike">
                 <a:solidFill>
                   <a:schemeClr val="dk1">
@@ -2711,7 +2711,7 @@
                 </a:solidFill>
                 <a:latin typeface="Calibri"/>
               </a:rPr>
-              <a:t>&lt;número&gt;</a:t>
+              <a:t>&lt;number&gt;</a:t>
             </a:fld>
             <a:endParaRPr b="0" lang="es-ES" sz="1200" spc="-1" strike="noStrike">
               <a:solidFill>
@@ -2735,7 +2735,7 @@
         <p:spPr>
           <a:xfrm>
             <a:off x="838080" y="6356520"/>
-            <a:ext cx="2742480" cy="364320"/>
+            <a:ext cx="2741760" cy="363600"/>
           </a:xfrm>
           <a:prstGeom prst="rect">
             <a:avLst/>
@@ -2771,7 +2771,7 @@
                 </a:solidFill>
                 <a:latin typeface="Times New Roman"/>
               </a:rPr>
-              <a:t>&lt;fecha/hora&gt;</a:t>
+              <a:t>&lt;date/time&gt;</a:t>
             </a:r>
             <a:endParaRPr b="0" lang="es-ES" sz="1400" spc="-1" strike="noStrike">
               <a:solidFill>
@@ -2828,7 +2828,7 @@
         <p:spPr>
           <a:xfrm>
             <a:off x="838080" y="365040"/>
-            <a:ext cx="10514880" cy="1324800"/>
+            <a:ext cx="10514160" cy="1324080"/>
           </a:xfrm>
           <a:prstGeom prst="rect">
             <a:avLst/>
@@ -2853,7 +2853,7 @@
                 </a:solidFill>
                 <a:latin typeface="Arial"/>
               </a:rPr>
-              <a:t>Pulse para editar el formato del texto de título</a:t>
+              <a:t>Click to edit the title text format</a:t>
             </a:r>
             <a:endParaRPr b="0" lang="es-ES" sz="1800" spc="-1" strike="noStrike">
               <a:solidFill>
@@ -2877,7 +2877,7 @@
         <p:spPr>
           <a:xfrm>
             <a:off x="838080" y="1825560"/>
-            <a:ext cx="10514880" cy="4350600"/>
+            <a:ext cx="10514160" cy="4349880"/>
           </a:xfrm>
           <a:prstGeom prst="rect">
             <a:avLst/>
@@ -2910,7 +2910,7 @@
                 </a:solidFill>
                 <a:latin typeface="Arial"/>
               </a:rPr>
-              <a:t>Pulse para editar el formato de texto del esquema</a:t>
+              <a:t>Click to edit the outline text format</a:t>
             </a:r>
             <a:endParaRPr b="0" lang="es-ES" sz="1800" spc="-1" strike="noStrike">
               <a:solidFill>
@@ -2938,7 +2938,7 @@
                 </a:solidFill>
                 <a:latin typeface="Arial"/>
               </a:rPr>
-              <a:t>Segundo nivel del esquema</a:t>
+              <a:t>Second Outline Level</a:t>
             </a:r>
             <a:endParaRPr b="0" lang="es-ES" sz="1800" spc="-1" strike="noStrike">
               <a:solidFill>
@@ -2966,7 +2966,7 @@
                 </a:solidFill>
                 <a:latin typeface="Arial"/>
               </a:rPr>
-              <a:t>Tercer nivel del esquema</a:t>
+              <a:t>Third Outline Level</a:t>
             </a:r>
             <a:endParaRPr b="0" lang="es-ES" sz="1800" spc="-1" strike="noStrike">
               <a:solidFill>
@@ -2994,7 +2994,7 @@
                 </a:solidFill>
                 <a:latin typeface="Arial"/>
               </a:rPr>
-              <a:t>Cuarto nivel del esquema</a:t>
+              <a:t>Fourth Outline Level</a:t>
             </a:r>
             <a:endParaRPr b="0" lang="es-ES" sz="1800" spc="-1" strike="noStrike">
               <a:solidFill>
@@ -3022,7 +3022,7 @@
                 </a:solidFill>
                 <a:latin typeface="Arial"/>
               </a:rPr>
-              <a:t>Quinto nivel del esquema</a:t>
+              <a:t>Fifth Outline Level</a:t>
             </a:r>
             <a:endParaRPr b="0" lang="es-ES" sz="1800" spc="-1" strike="noStrike">
               <a:solidFill>
@@ -3050,7 +3050,7 @@
                 </a:solidFill>
                 <a:latin typeface="Arial"/>
               </a:rPr>
-              <a:t>Sexto nivel del esquema</a:t>
+              <a:t>Sixth Outline Level</a:t>
             </a:r>
             <a:endParaRPr b="0" lang="es-ES" sz="1800" spc="-1" strike="noStrike">
               <a:solidFill>
@@ -3078,7 +3078,7 @@
                 </a:solidFill>
                 <a:latin typeface="Arial"/>
               </a:rPr>
-              <a:t>Séptimo nivel del esquema</a:t>
+              <a:t>Seventh Outline Level</a:t>
             </a:r>
             <a:endParaRPr b="0" lang="es-ES" sz="1800" spc="-1" strike="noStrike">
               <a:solidFill>
@@ -3102,7 +3102,7 @@
         <p:spPr>
           <a:xfrm>
             <a:off x="4038480" y="6356520"/>
-            <a:ext cx="4114080" cy="364320"/>
+            <a:ext cx="4113360" cy="363600"/>
           </a:xfrm>
           <a:prstGeom prst="rect">
             <a:avLst/>
@@ -3150,7 +3150,7 @@
                 </a:solidFill>
                 <a:latin typeface="Times New Roman"/>
               </a:rPr>
-              <a:t>&lt;pie de página&gt;</a:t>
+              <a:t>&lt;footer&gt;</a:t>
             </a:r>
             <a:endParaRPr b="0" lang="es-ES" sz="1400" spc="-1" strike="noStrike">
               <a:solidFill>
@@ -3174,7 +3174,7 @@
         <p:spPr>
           <a:xfrm>
             <a:off x="8610480" y="6356520"/>
-            <a:ext cx="2742480" cy="364320"/>
+            <a:ext cx="2741760" cy="363600"/>
           </a:xfrm>
           <a:prstGeom prst="rect">
             <a:avLst/>
@@ -3217,7 +3217,7 @@
                 <a:tab algn="l" pos="0"/>
               </a:tabLst>
             </a:pPr>
-            <a:fld id="{43E238C2-916E-4F56-A8E1-2316FDDCAE72}" type="slidenum">
+            <a:fld id="{BAACA866-1CC0-46FC-8953-9F25C8C15EE4}" type="slidenum">
               <a:rPr b="0" lang="es-AR" sz="1200" spc="-1" strike="noStrike">
                 <a:solidFill>
                   <a:schemeClr val="dk1">
@@ -3226,7 +3226,7 @@
                 </a:solidFill>
                 <a:latin typeface="Calibri"/>
               </a:rPr>
-              <a:t>&lt;número&gt;</a:t>
+              <a:t>&lt;number&gt;</a:t>
             </a:fld>
             <a:endParaRPr b="0" lang="es-ES" sz="1200" spc="-1" strike="noStrike">
               <a:solidFill>
@@ -3250,7 +3250,7 @@
         <p:spPr>
           <a:xfrm>
             <a:off x="838080" y="6356520"/>
-            <a:ext cx="2742480" cy="364320"/>
+            <a:ext cx="2741760" cy="363600"/>
           </a:xfrm>
           <a:prstGeom prst="rect">
             <a:avLst/>
@@ -3286,7 +3286,7 @@
                 </a:solidFill>
                 <a:latin typeface="Times New Roman"/>
               </a:rPr>
-              <a:t>&lt;fecha/hora&gt;</a:t>
+              <a:t>&lt;date/time&gt;</a:t>
             </a:r>
             <a:endParaRPr b="0" lang="es-ES" sz="1400" spc="-1" strike="noStrike">
               <a:solidFill>
@@ -3343,7 +3343,7 @@
         <p:spPr>
           <a:xfrm>
             <a:off x="4038480" y="6356520"/>
-            <a:ext cx="4114080" cy="364320"/>
+            <a:ext cx="4113360" cy="363600"/>
           </a:xfrm>
           <a:prstGeom prst="rect">
             <a:avLst/>
@@ -3391,7 +3391,7 @@
                 </a:solidFill>
                 <a:latin typeface="Times New Roman"/>
               </a:rPr>
-              <a:t>&lt;pie de página&gt;</a:t>
+              <a:t>&lt;footer&gt;</a:t>
             </a:r>
             <a:endParaRPr b="0" lang="es-ES" sz="1400" spc="-1" strike="noStrike">
               <a:solidFill>
@@ -3415,7 +3415,7 @@
         <p:spPr>
           <a:xfrm>
             <a:off x="8610480" y="6356520"/>
-            <a:ext cx="2742480" cy="364320"/>
+            <a:ext cx="2741760" cy="363600"/>
           </a:xfrm>
           <a:prstGeom prst="rect">
             <a:avLst/>
@@ -3458,7 +3458,7 @@
                 <a:tab algn="l" pos="0"/>
               </a:tabLst>
             </a:pPr>
-            <a:fld id="{1856CAEB-6C07-47BA-A869-121C265E5EEC}" type="slidenum">
+            <a:fld id="{C68DE7F6-D73E-4615-84C3-781C9CAE754B}" type="slidenum">
               <a:rPr b="0" lang="es-AR" sz="1200" spc="-1" strike="noStrike">
                 <a:solidFill>
                   <a:schemeClr val="dk1">
@@ -3467,7 +3467,7 @@
                 </a:solidFill>
                 <a:latin typeface="Calibri"/>
               </a:rPr>
-              <a:t>&lt;número&gt;</a:t>
+              <a:t>&lt;number&gt;</a:t>
             </a:fld>
             <a:endParaRPr b="0" lang="es-ES" sz="1200" spc="-1" strike="noStrike">
               <a:solidFill>
@@ -3491,7 +3491,7 @@
         <p:spPr>
           <a:xfrm>
             <a:off x="838080" y="6356520"/>
-            <a:ext cx="2742480" cy="364320"/>
+            <a:ext cx="2741760" cy="363600"/>
           </a:xfrm>
           <a:prstGeom prst="rect">
             <a:avLst/>
@@ -3527,7 +3527,7 @@
                 </a:solidFill>
                 <a:latin typeface="Times New Roman"/>
               </a:rPr>
-              <a:t>&lt;fecha/hora&gt;</a:t>
+              <a:t>&lt;date/time&gt;</a:t>
             </a:r>
             <a:endParaRPr b="0" lang="es-ES" sz="1400" spc="-1" strike="noStrike">
               <a:solidFill>
@@ -3584,7 +3584,7 @@
         <p:spPr>
           <a:xfrm>
             <a:off x="838080" y="365040"/>
-            <a:ext cx="10514880" cy="1324800"/>
+            <a:ext cx="10514160" cy="1324080"/>
           </a:xfrm>
           <a:prstGeom prst="rect">
             <a:avLst/>
@@ -3609,7 +3609,7 @@
                 </a:solidFill>
                 <a:latin typeface="Arial"/>
               </a:rPr>
-              <a:t>Pulse para editar el formato del texto de título</a:t>
+              <a:t>Click to edit the title text format</a:t>
             </a:r>
             <a:endParaRPr b="0" lang="es-ES" sz="1800" spc="-1" strike="noStrike">
               <a:solidFill>
@@ -3633,7 +3633,7 @@
         <p:spPr>
           <a:xfrm>
             <a:off x="838080" y="1825560"/>
-            <a:ext cx="5130720" cy="4350600"/>
+            <a:ext cx="5130720" cy="4349880"/>
           </a:xfrm>
           <a:prstGeom prst="rect">
             <a:avLst/>
@@ -3666,7 +3666,7 @@
                 </a:solidFill>
                 <a:latin typeface="Arial"/>
               </a:rPr>
-              <a:t>Pulse para editar el formato de texto del esquema</a:t>
+              <a:t>Click to edit the outline text format</a:t>
             </a:r>
             <a:endParaRPr b="0" lang="es-ES" sz="1800" spc="-1" strike="noStrike">
               <a:solidFill>
@@ -3694,7 +3694,7 @@
                 </a:solidFill>
                 <a:latin typeface="Arial"/>
               </a:rPr>
-              <a:t>Segundo nivel del esquema</a:t>
+              <a:t>Second Outline Level</a:t>
             </a:r>
             <a:endParaRPr b="0" lang="es-ES" sz="1800" spc="-1" strike="noStrike">
               <a:solidFill>
@@ -3722,7 +3722,7 @@
                 </a:solidFill>
                 <a:latin typeface="Arial"/>
               </a:rPr>
-              <a:t>Tercer nivel del esquema</a:t>
+              <a:t>Third Outline Level</a:t>
             </a:r>
             <a:endParaRPr b="0" lang="es-ES" sz="1800" spc="-1" strike="noStrike">
               <a:solidFill>
@@ -3750,7 +3750,7 @@
                 </a:solidFill>
                 <a:latin typeface="Arial"/>
               </a:rPr>
-              <a:t>Cuarto nivel del esquema</a:t>
+              <a:t>Fourth Outline Level</a:t>
             </a:r>
             <a:endParaRPr b="0" lang="es-ES" sz="1800" spc="-1" strike="noStrike">
               <a:solidFill>
@@ -3778,7 +3778,7 @@
                 </a:solidFill>
                 <a:latin typeface="Arial"/>
               </a:rPr>
-              <a:t>Quinto nivel del esquema</a:t>
+              <a:t>Fifth Outline Level</a:t>
             </a:r>
             <a:endParaRPr b="0" lang="es-ES" sz="1800" spc="-1" strike="noStrike">
               <a:solidFill>
@@ -3806,7 +3806,7 @@
                 </a:solidFill>
                 <a:latin typeface="Arial"/>
               </a:rPr>
-              <a:t>Sexto nivel del esquema</a:t>
+              <a:t>Sixth Outline Level</a:t>
             </a:r>
             <a:endParaRPr b="0" lang="es-ES" sz="1800" spc="-1" strike="noStrike">
               <a:solidFill>
@@ -3834,7 +3834,7 @@
                 </a:solidFill>
                 <a:latin typeface="Arial"/>
               </a:rPr>
-              <a:t>Séptimo nivel del esquema</a:t>
+              <a:t>Seventh Outline Level</a:t>
             </a:r>
             <a:endParaRPr b="0" lang="es-ES" sz="1800" spc="-1" strike="noStrike">
               <a:solidFill>
@@ -3858,7 +3858,7 @@
         <p:spPr>
           <a:xfrm>
             <a:off x="6226200" y="1825560"/>
-            <a:ext cx="5130720" cy="4350600"/>
+            <a:ext cx="5130720" cy="4349880"/>
           </a:xfrm>
           <a:prstGeom prst="rect">
             <a:avLst/>
@@ -3891,7 +3891,7 @@
                 </a:solidFill>
                 <a:latin typeface="Arial"/>
               </a:rPr>
-              <a:t>Pulse para editar el formato de texto del esquema</a:t>
+              <a:t>Click to edit the outline text format</a:t>
             </a:r>
             <a:endParaRPr b="0" lang="es-ES" sz="1800" spc="-1" strike="noStrike">
               <a:solidFill>
@@ -3919,7 +3919,7 @@
                 </a:solidFill>
                 <a:latin typeface="Arial"/>
               </a:rPr>
-              <a:t>Segundo nivel del esquema</a:t>
+              <a:t>Second Outline Level</a:t>
             </a:r>
             <a:endParaRPr b="0" lang="es-ES" sz="1800" spc="-1" strike="noStrike">
               <a:solidFill>
@@ -3947,7 +3947,7 @@
                 </a:solidFill>
                 <a:latin typeface="Arial"/>
               </a:rPr>
-              <a:t>Tercer nivel del esquema</a:t>
+              <a:t>Third Outline Level</a:t>
             </a:r>
             <a:endParaRPr b="0" lang="es-ES" sz="1800" spc="-1" strike="noStrike">
               <a:solidFill>
@@ -3975,7 +3975,7 @@
                 </a:solidFill>
                 <a:latin typeface="Arial"/>
               </a:rPr>
-              <a:t>Cuarto nivel del esquema</a:t>
+              <a:t>Fourth Outline Level</a:t>
             </a:r>
             <a:endParaRPr b="0" lang="es-ES" sz="1800" spc="-1" strike="noStrike">
               <a:solidFill>
@@ -4003,7 +4003,7 @@
                 </a:solidFill>
                 <a:latin typeface="Arial"/>
               </a:rPr>
-              <a:t>Quinto nivel del esquema</a:t>
+              <a:t>Fifth Outline Level</a:t>
             </a:r>
             <a:endParaRPr b="0" lang="es-ES" sz="1800" spc="-1" strike="noStrike">
               <a:solidFill>
@@ -4031,7 +4031,7 @@
                 </a:solidFill>
                 <a:latin typeface="Arial"/>
               </a:rPr>
-              <a:t>Sexto nivel del esquema</a:t>
+              <a:t>Sixth Outline Level</a:t>
             </a:r>
             <a:endParaRPr b="0" lang="es-ES" sz="1800" spc="-1" strike="noStrike">
               <a:solidFill>
@@ -4059,7 +4059,7 @@
                 </a:solidFill>
                 <a:latin typeface="Arial"/>
               </a:rPr>
-              <a:t>Séptimo nivel del esquema</a:t>
+              <a:t>Seventh Outline Level</a:t>
             </a:r>
             <a:endParaRPr b="0" lang="es-ES" sz="1800" spc="-1" strike="noStrike">
               <a:solidFill>
@@ -4083,7 +4083,7 @@
         <p:spPr>
           <a:xfrm>
             <a:off x="4038480" y="6356520"/>
-            <a:ext cx="4114080" cy="364320"/>
+            <a:ext cx="4113360" cy="363600"/>
           </a:xfrm>
           <a:prstGeom prst="rect">
             <a:avLst/>
@@ -4131,7 +4131,7 @@
                 </a:solidFill>
                 <a:latin typeface="Times New Roman"/>
               </a:rPr>
-              <a:t>&lt;pie de página&gt;</a:t>
+              <a:t>&lt;footer&gt;</a:t>
             </a:r>
             <a:endParaRPr b="0" lang="es-ES" sz="1400" spc="-1" strike="noStrike">
               <a:solidFill>
@@ -4155,7 +4155,7 @@
         <p:spPr>
           <a:xfrm>
             <a:off x="8610480" y="6356520"/>
-            <a:ext cx="2742480" cy="364320"/>
+            <a:ext cx="2741760" cy="363600"/>
           </a:xfrm>
           <a:prstGeom prst="rect">
             <a:avLst/>
@@ -4198,7 +4198,7 @@
                 <a:tab algn="l" pos="0"/>
               </a:tabLst>
             </a:pPr>
-            <a:fld id="{8653BD58-A2CC-43FB-9C31-BDA334DAEDFB}" type="slidenum">
+            <a:fld id="{2519C4E4-D2A3-46BF-AE68-1B460D2620F1}" type="slidenum">
               <a:rPr b="0" lang="es-AR" sz="1200" spc="-1" strike="noStrike">
                 <a:solidFill>
                   <a:schemeClr val="dk1">
@@ -4207,7 +4207,7 @@
                 </a:solidFill>
                 <a:latin typeface="Calibri"/>
               </a:rPr>
-              <a:t>&lt;número&gt;</a:t>
+              <a:t>&lt;number&gt;</a:t>
             </a:fld>
             <a:endParaRPr b="0" lang="es-ES" sz="1200" spc="-1" strike="noStrike">
               <a:solidFill>
@@ -4231,7 +4231,7 @@
         <p:spPr>
           <a:xfrm>
             <a:off x="838080" y="6356520"/>
-            <a:ext cx="2742480" cy="364320"/>
+            <a:ext cx="2741760" cy="363600"/>
           </a:xfrm>
           <a:prstGeom prst="rect">
             <a:avLst/>
@@ -4267,7 +4267,7 @@
                 </a:solidFill>
                 <a:latin typeface="Times New Roman"/>
               </a:rPr>
-              <a:t>&lt;fecha/hora&gt;</a:t>
+              <a:t>&lt;date/time&gt;</a:t>
             </a:r>
             <a:endParaRPr b="0" lang="es-ES" sz="1400" spc="-1" strike="noStrike">
               <a:solidFill>
@@ -4324,7 +4324,7 @@
         <p:spPr>
           <a:xfrm>
             <a:off x="4038480" y="6356520"/>
-            <a:ext cx="4114080" cy="364320"/>
+            <a:ext cx="4113360" cy="363600"/>
           </a:xfrm>
           <a:prstGeom prst="rect">
             <a:avLst/>
@@ -4372,7 +4372,7 @@
                 </a:solidFill>
                 <a:latin typeface="Times New Roman"/>
               </a:rPr>
-              <a:t>&lt;pie de página&gt;</a:t>
+              <a:t>&lt;footer&gt;</a:t>
             </a:r>
             <a:endParaRPr b="0" lang="es-ES" sz="1400" spc="-1" strike="noStrike">
               <a:solidFill>
@@ -4396,7 +4396,7 @@
         <p:spPr>
           <a:xfrm>
             <a:off x="8610480" y="6356520"/>
-            <a:ext cx="2742480" cy="364320"/>
+            <a:ext cx="2741760" cy="363600"/>
           </a:xfrm>
           <a:prstGeom prst="rect">
             <a:avLst/>
@@ -4439,7 +4439,7 @@
                 <a:tab algn="l" pos="0"/>
               </a:tabLst>
             </a:pPr>
-            <a:fld id="{288D1C52-6EAF-4CEB-A309-CA7B377C974D}" type="slidenum">
+            <a:fld id="{83751476-321A-44D4-9EEC-D4697C0E8EBA}" type="slidenum">
               <a:rPr b="0" lang="es-AR" sz="1200" spc="-1" strike="noStrike">
                 <a:solidFill>
                   <a:schemeClr val="dk1">
@@ -4448,7 +4448,7 @@
                 </a:solidFill>
                 <a:latin typeface="Calibri"/>
               </a:rPr>
-              <a:t>&lt;número&gt;</a:t>
+              <a:t>&lt;number&gt;</a:t>
             </a:fld>
             <a:endParaRPr b="0" lang="es-ES" sz="1200" spc="-1" strike="noStrike">
               <a:solidFill>
@@ -4472,7 +4472,7 @@
         <p:spPr>
           <a:xfrm>
             <a:off x="838080" y="6356520"/>
-            <a:ext cx="2742480" cy="364320"/>
+            <a:ext cx="2741760" cy="363600"/>
           </a:xfrm>
           <a:prstGeom prst="rect">
             <a:avLst/>
@@ -4508,7 +4508,7 @@
                 </a:solidFill>
                 <a:latin typeface="Times New Roman"/>
               </a:rPr>
-              <a:t>&lt;fecha/hora&gt;</a:t>
+              <a:t>&lt;date/time&gt;</a:t>
             </a:r>
             <a:endParaRPr b="0" lang="es-ES" sz="1400" spc="-1" strike="noStrike">
               <a:solidFill>
@@ -4565,7 +4565,7 @@
         <p:spPr>
           <a:xfrm>
             <a:off x="838080" y="365040"/>
-            <a:ext cx="10514880" cy="1324800"/>
+            <a:ext cx="10514160" cy="1324080"/>
           </a:xfrm>
           <a:prstGeom prst="rect">
             <a:avLst/>
@@ -4590,7 +4590,7 @@
                 </a:solidFill>
                 <a:latin typeface="Arial"/>
               </a:rPr>
-              <a:t>Pulse para editar el formato del texto de título</a:t>
+              <a:t>Click to edit the title text format</a:t>
             </a:r>
             <a:endParaRPr b="0" lang="es-ES" sz="1800" spc="-1" strike="noStrike">
               <a:solidFill>
@@ -4614,7 +4614,7 @@
         <p:spPr>
           <a:xfrm>
             <a:off x="4038480" y="6356520"/>
-            <a:ext cx="4114080" cy="364320"/>
+            <a:ext cx="4113360" cy="363600"/>
           </a:xfrm>
           <a:prstGeom prst="rect">
             <a:avLst/>
@@ -4662,7 +4662,7 @@
                 </a:solidFill>
                 <a:latin typeface="Times New Roman"/>
               </a:rPr>
-              <a:t>&lt;pie de página&gt;</a:t>
+              <a:t>&lt;footer&gt;</a:t>
             </a:r>
             <a:endParaRPr b="0" lang="es-ES" sz="1400" spc="-1" strike="noStrike">
               <a:solidFill>
@@ -4686,7 +4686,7 @@
         <p:spPr>
           <a:xfrm>
             <a:off x="8610480" y="6356520"/>
-            <a:ext cx="2742480" cy="364320"/>
+            <a:ext cx="2741760" cy="363600"/>
           </a:xfrm>
           <a:prstGeom prst="rect">
             <a:avLst/>
@@ -4729,7 +4729,7 @@
                 <a:tab algn="l" pos="0"/>
               </a:tabLst>
             </a:pPr>
-            <a:fld id="{A1D55C6C-0857-44A7-8441-14DE50873EC9}" type="slidenum">
+            <a:fld id="{AE4463A3-6983-4151-803A-0740C2222FD4}" type="slidenum">
               <a:rPr b="0" lang="es-AR" sz="1200" spc="-1" strike="noStrike">
                 <a:solidFill>
                   <a:schemeClr val="dk1">
@@ -4738,7 +4738,7 @@
                 </a:solidFill>
                 <a:latin typeface="Calibri"/>
               </a:rPr>
-              <a:t>&lt;número&gt;</a:t>
+              <a:t>&lt;number&gt;</a:t>
             </a:fld>
             <a:endParaRPr b="0" lang="es-ES" sz="1200" spc="-1" strike="noStrike">
               <a:solidFill>
@@ -4762,7 +4762,7 @@
         <p:spPr>
           <a:xfrm>
             <a:off x="838080" y="6356520"/>
-            <a:ext cx="2742480" cy="364320"/>
+            <a:ext cx="2741760" cy="363600"/>
           </a:xfrm>
           <a:prstGeom prst="rect">
             <a:avLst/>
@@ -4798,7 +4798,7 @@
                 </a:solidFill>
                 <a:latin typeface="Times New Roman"/>
               </a:rPr>
-              <a:t>&lt;fecha/hora&gt;</a:t>
+              <a:t>&lt;date/time&gt;</a:t>
             </a:r>
             <a:endParaRPr b="0" lang="es-ES" sz="1400" spc="-1" strike="noStrike">
               <a:solidFill>
@@ -4855,7 +4855,7 @@
         <p:spPr>
           <a:xfrm>
             <a:off x="4038480" y="6356520"/>
-            <a:ext cx="4114080" cy="364320"/>
+            <a:ext cx="4113360" cy="363600"/>
           </a:xfrm>
           <a:prstGeom prst="rect">
             <a:avLst/>
@@ -4903,7 +4903,7 @@
                 </a:solidFill>
                 <a:latin typeface="Times New Roman"/>
               </a:rPr>
-              <a:t>&lt;pie de página&gt;</a:t>
+              <a:t>&lt;footer&gt;</a:t>
             </a:r>
             <a:endParaRPr b="0" lang="es-ES" sz="1400" spc="-1" strike="noStrike">
               <a:solidFill>
@@ -4927,7 +4927,7 @@
         <p:spPr>
           <a:xfrm>
             <a:off x="8610480" y="6356520"/>
-            <a:ext cx="2742480" cy="364320"/>
+            <a:ext cx="2741760" cy="363600"/>
           </a:xfrm>
           <a:prstGeom prst="rect">
             <a:avLst/>
@@ -4970,7 +4970,7 @@
                 <a:tab algn="l" pos="0"/>
               </a:tabLst>
             </a:pPr>
-            <a:fld id="{590DF56D-153D-4D1A-94BC-A4162B76FFE4}" type="slidenum">
+            <a:fld id="{EBB5A0E1-CF5D-4C7A-B59B-F2CE305732AF}" type="slidenum">
               <a:rPr b="0" lang="es-AR" sz="1200" spc="-1" strike="noStrike">
                 <a:solidFill>
                   <a:schemeClr val="dk1">
@@ -4979,7 +4979,7 @@
                 </a:solidFill>
                 <a:latin typeface="Calibri"/>
               </a:rPr>
-              <a:t>&lt;número&gt;</a:t>
+              <a:t>&lt;number&gt;</a:t>
             </a:fld>
             <a:endParaRPr b="0" lang="es-ES" sz="1200" spc="-1" strike="noStrike">
               <a:solidFill>
@@ -5003,7 +5003,7 @@
         <p:spPr>
           <a:xfrm>
             <a:off x="838080" y="6356520"/>
-            <a:ext cx="2742480" cy="364320"/>
+            <a:ext cx="2741760" cy="363600"/>
           </a:xfrm>
           <a:prstGeom prst="rect">
             <a:avLst/>
@@ -5039,7 +5039,7 @@
                 </a:solidFill>
                 <a:latin typeface="Times New Roman"/>
               </a:rPr>
-              <a:t>&lt;fecha/hora&gt;</a:t>
+              <a:t>&lt;date/time&gt;</a:t>
             </a:r>
             <a:endParaRPr b="0" lang="es-ES" sz="1400" spc="-1" strike="noStrike">
               <a:solidFill>
@@ -5089,7 +5089,7 @@
         <p:spPr>
           <a:xfrm>
             <a:off x="2554200" y="1122480"/>
-            <a:ext cx="7082280" cy="2386800"/>
+            <a:ext cx="7081560" cy="2386080"/>
           </a:xfrm>
           <a:prstGeom prst="rect">
             <a:avLst/>
@@ -5147,7 +5147,7 @@
         <p:spPr>
           <a:xfrm>
             <a:off x="1523880" y="3602160"/>
-            <a:ext cx="9143280" cy="1654920"/>
+            <a:ext cx="9142560" cy="1654200"/>
           </a:xfrm>
           <a:prstGeom prst="rect">
             <a:avLst/>
@@ -5235,7 +5235,7 @@
         <p:spPr>
           <a:xfrm>
             <a:off x="838080" y="365040"/>
-            <a:ext cx="10514880" cy="1324800"/>
+            <a:ext cx="10514160" cy="1324080"/>
           </a:xfrm>
           <a:prstGeom prst="rect">
             <a:avLst/>
@@ -5290,7 +5290,7 @@
         <p:spPr>
           <a:xfrm>
             <a:off x="838080" y="1825560"/>
-            <a:ext cx="10514880" cy="4350600"/>
+            <a:ext cx="10514160" cy="4349880"/>
           </a:xfrm>
           <a:prstGeom prst="rect">
             <a:avLst/>
@@ -5427,7 +5427,7 @@
         <p:spPr>
           <a:xfrm>
             <a:off x="838080" y="365040"/>
-            <a:ext cx="10514880" cy="1324800"/>
+            <a:ext cx="10514160" cy="1324080"/>
           </a:xfrm>
           <a:prstGeom prst="rect">
             <a:avLst/>
@@ -5482,7 +5482,7 @@
         <p:spPr>
           <a:xfrm>
             <a:off x="838080" y="1825560"/>
-            <a:ext cx="10514880" cy="4350600"/>
+            <a:ext cx="10514160" cy="4349880"/>
           </a:xfrm>
           <a:prstGeom prst="rect">
             <a:avLst/>
@@ -5599,7 +5599,7 @@
         <p:spPr>
           <a:xfrm>
             <a:off x="838080" y="365040"/>
-            <a:ext cx="10514880" cy="1324800"/>
+            <a:ext cx="10514160" cy="1324080"/>
           </a:xfrm>
           <a:prstGeom prst="rect">
             <a:avLst/>
@@ -5654,7 +5654,7 @@
         <p:spPr>
           <a:xfrm>
             <a:off x="838080" y="1825560"/>
-            <a:ext cx="10514880" cy="4350600"/>
+            <a:ext cx="10514160" cy="4349880"/>
           </a:xfrm>
           <a:prstGeom prst="rect">
             <a:avLst/>
@@ -5791,7 +5791,7 @@
         <p:spPr>
           <a:xfrm>
             <a:off x="838080" y="365040"/>
-            <a:ext cx="10514880" cy="1324800"/>
+            <a:ext cx="10514160" cy="1324080"/>
           </a:xfrm>
           <a:prstGeom prst="rect">
             <a:avLst/>
@@ -5846,7 +5846,7 @@
         <p:spPr>
           <a:xfrm>
             <a:off x="838080" y="1825560"/>
-            <a:ext cx="10514880" cy="4350600"/>
+            <a:ext cx="10514160" cy="4349880"/>
           </a:xfrm>
           <a:prstGeom prst="rect">
             <a:avLst/>
@@ -5966,7 +5966,7 @@
         <p:spPr>
           <a:xfrm>
             <a:off x="838080" y="365040"/>
-            <a:ext cx="10514880" cy="1324800"/>
+            <a:ext cx="10514160" cy="1324080"/>
           </a:xfrm>
           <a:prstGeom prst="rect">
             <a:avLst/>
@@ -6021,7 +6021,7 @@
         <p:spPr>
           <a:xfrm>
             <a:off x="838080" y="1825560"/>
-            <a:ext cx="10514880" cy="4350600"/>
+            <a:ext cx="10514160" cy="4349880"/>
           </a:xfrm>
           <a:prstGeom prst="rect">
             <a:avLst/>
@@ -6158,7 +6158,7 @@
         <p:spPr>
           <a:xfrm>
             <a:off x="838080" y="365040"/>
-            <a:ext cx="10514880" cy="1324800"/>
+            <a:ext cx="10514160" cy="1324080"/>
           </a:xfrm>
           <a:prstGeom prst="rect">
             <a:avLst/>
@@ -6213,7 +6213,7 @@
         <p:spPr>
           <a:xfrm>
             <a:off x="838080" y="1825560"/>
-            <a:ext cx="10514880" cy="4350600"/>
+            <a:ext cx="10514160" cy="4349880"/>
           </a:xfrm>
           <a:prstGeom prst="rect">
             <a:avLst/>
@@ -6433,7 +6433,7 @@
         <p:spPr>
           <a:xfrm>
             <a:off x="838080" y="365040"/>
-            <a:ext cx="10514880" cy="1324800"/>
+            <a:ext cx="10514160" cy="1324080"/>
           </a:xfrm>
           <a:prstGeom prst="rect">
             <a:avLst/>
@@ -6488,7 +6488,7 @@
         <p:spPr>
           <a:xfrm>
             <a:off x="838080" y="1825560"/>
-            <a:ext cx="10514880" cy="4350600"/>
+            <a:ext cx="10514160" cy="4349880"/>
           </a:xfrm>
           <a:prstGeom prst="rect">
             <a:avLst/>
@@ -6607,7 +6607,7 @@
         <p:spPr>
           <a:xfrm>
             <a:off x="838080" y="365040"/>
-            <a:ext cx="10514880" cy="1324800"/>
+            <a:ext cx="10514160" cy="1324080"/>
           </a:xfrm>
           <a:prstGeom prst="rect">
             <a:avLst/>
@@ -6662,7 +6662,7 @@
         <p:spPr>
           <a:xfrm>
             <a:off x="838080" y="1825560"/>
-            <a:ext cx="10514880" cy="4350600"/>
+            <a:ext cx="10514160" cy="4349880"/>
           </a:xfrm>
           <a:prstGeom prst="rect">
             <a:avLst/>
@@ -6799,7 +6799,7 @@
         <p:spPr>
           <a:xfrm>
             <a:off x="838080" y="365040"/>
-            <a:ext cx="10514880" cy="1324800"/>
+            <a:ext cx="10514160" cy="1324080"/>
           </a:xfrm>
           <a:prstGeom prst="rect">
             <a:avLst/>
@@ -6854,7 +6854,7 @@
         <p:spPr>
           <a:xfrm>
             <a:off x="838080" y="1825560"/>
-            <a:ext cx="10514880" cy="4350600"/>
+            <a:ext cx="10514160" cy="4349880"/>
           </a:xfrm>
           <a:prstGeom prst="rect">
             <a:avLst/>
@@ -6942,7 +6942,7 @@
         <p:spPr>
           <a:xfrm>
             <a:off x="838080" y="365040"/>
-            <a:ext cx="10514880" cy="1324800"/>
+            <a:ext cx="10514160" cy="1324080"/>
           </a:xfrm>
           <a:prstGeom prst="rect">
             <a:avLst/>
@@ -6997,7 +6997,7 @@
         <p:spPr>
           <a:xfrm>
             <a:off x="838080" y="1825560"/>
-            <a:ext cx="10514880" cy="4350600"/>
+            <a:ext cx="10514160" cy="4349880"/>
           </a:xfrm>
           <a:prstGeom prst="rect">
             <a:avLst/>
@@ -7114,7 +7114,7 @@
         <p:spPr>
           <a:xfrm>
             <a:off x="1985400" y="1122480"/>
-            <a:ext cx="8220960" cy="2386800"/>
+            <a:ext cx="8220240" cy="2386080"/>
           </a:xfrm>
           <a:prstGeom prst="rect">
             <a:avLst/>
@@ -7169,7 +7169,7 @@
         <p:spPr>
           <a:xfrm>
             <a:off x="1523880" y="3602160"/>
-            <a:ext cx="9143280" cy="1654920"/>
+            <a:ext cx="9142560" cy="1654200"/>
           </a:xfrm>
           <a:prstGeom prst="rect">
             <a:avLst/>
@@ -7239,7 +7239,7 @@
         <p:spPr>
           <a:xfrm>
             <a:off x="838080" y="365040"/>
-            <a:ext cx="10514880" cy="1324800"/>
+            <a:ext cx="10514160" cy="1324080"/>
           </a:xfrm>
           <a:prstGeom prst="rect">
             <a:avLst/>
@@ -7294,7 +7294,7 @@
         <p:spPr>
           <a:xfrm>
             <a:off x="838080" y="1825560"/>
-            <a:ext cx="10514880" cy="4350600"/>
+            <a:ext cx="10514160" cy="4349880"/>
           </a:xfrm>
           <a:prstGeom prst="rect">
             <a:avLst/>
@@ -7382,7 +7382,7 @@
         <p:spPr>
           <a:xfrm>
             <a:off x="838080" y="365040"/>
-            <a:ext cx="10514880" cy="1324800"/>
+            <a:ext cx="10514160" cy="1324080"/>
           </a:xfrm>
           <a:prstGeom prst="rect">
             <a:avLst/>
@@ -7437,7 +7437,7 @@
         <p:spPr>
           <a:xfrm>
             <a:off x="838080" y="1825560"/>
-            <a:ext cx="10514880" cy="4350600"/>
+            <a:ext cx="10514160" cy="4349880"/>
           </a:xfrm>
           <a:prstGeom prst="rect">
             <a:avLst/>
@@ -7543,7 +7543,7 @@
         <p:spPr>
           <a:xfrm>
             <a:off x="2978640" y="1122480"/>
-            <a:ext cx="6233400" cy="2386800"/>
+            <a:ext cx="6232680" cy="2386080"/>
           </a:xfrm>
           <a:prstGeom prst="rect">
             <a:avLst/>
@@ -7598,7 +7598,7 @@
         <p:spPr>
           <a:xfrm>
             <a:off x="1523880" y="3602160"/>
-            <a:ext cx="9143280" cy="1654920"/>
+            <a:ext cx="9142560" cy="1654200"/>
           </a:xfrm>
           <a:prstGeom prst="rect">
             <a:avLst/>
@@ -7668,7 +7668,7 @@
         <p:spPr>
           <a:xfrm>
             <a:off x="838080" y="365040"/>
-            <a:ext cx="10514880" cy="1324800"/>
+            <a:ext cx="10514160" cy="1324080"/>
           </a:xfrm>
           <a:prstGeom prst="rect">
             <a:avLst/>
@@ -7723,7 +7723,7 @@
         <p:spPr>
           <a:xfrm>
             <a:off x="838080" y="1825560"/>
-            <a:ext cx="10514880" cy="4350600"/>
+            <a:ext cx="10514160" cy="4349880"/>
           </a:xfrm>
           <a:prstGeom prst="rect">
             <a:avLst/>
@@ -7757,7 +7757,7 @@
                 </a:solidFill>
                 <a:latin typeface="Bahnschrift"/>
               </a:rPr>
-              <a:t>Significado que tiene el dato dentro de una compañía/negocio/microemprendimiento.</a:t>
+              <a:t>Significado que tiene el dato dentro de una compañía/negocio/micro-emprendimiento</a:t>
             </a:r>
             <a:endParaRPr b="0" lang="es-ES" sz="1600" spc="-1" strike="noStrike">
               <a:solidFill>
@@ -7869,7 +7869,7 @@
         <p:spPr>
           <a:xfrm>
             <a:off x="838080" y="365040"/>
-            <a:ext cx="10514880" cy="1324800"/>
+            <a:ext cx="10514160" cy="1324080"/>
           </a:xfrm>
           <a:prstGeom prst="rect">
             <a:avLst/>
@@ -7924,7 +7924,7 @@
         <p:spPr>
           <a:xfrm>
             <a:off x="838080" y="1825560"/>
-            <a:ext cx="10514880" cy="4350600"/>
+            <a:ext cx="10514160" cy="4349880"/>
           </a:xfrm>
           <a:prstGeom prst="rect">
             <a:avLst/>
@@ -8041,7 +8041,7 @@
         <p:spPr>
           <a:xfrm>
             <a:off x="838080" y="365040"/>
-            <a:ext cx="10514880" cy="1324800"/>
+            <a:ext cx="10514160" cy="1324080"/>
           </a:xfrm>
           <a:prstGeom prst="rect">
             <a:avLst/>
@@ -8096,7 +8096,7 @@
         <p:spPr>
           <a:xfrm>
             <a:off x="838080" y="1825560"/>
-            <a:ext cx="10514880" cy="4350600"/>
+            <a:ext cx="10514160" cy="4349880"/>
           </a:xfrm>
           <a:prstGeom prst="rect">
             <a:avLst/>
@@ -8213,7 +8213,7 @@
         <p:spPr>
           <a:xfrm>
             <a:off x="786240" y="1122480"/>
-            <a:ext cx="10618200" cy="2386800"/>
+            <a:ext cx="10617480" cy="2386080"/>
           </a:xfrm>
           <a:prstGeom prst="rect">
             <a:avLst/>
@@ -8268,7 +8268,7 @@
         <p:spPr>
           <a:xfrm>
             <a:off x="1523880" y="3602160"/>
-            <a:ext cx="9143280" cy="1654920"/>
+            <a:ext cx="9142560" cy="1654200"/>
           </a:xfrm>
           <a:prstGeom prst="rect">
             <a:avLst/>
@@ -8338,7 +8338,7 @@
         <p:spPr>
           <a:xfrm>
             <a:off x="838080" y="365040"/>
-            <a:ext cx="10514880" cy="1324800"/>
+            <a:ext cx="10514160" cy="1324080"/>
           </a:xfrm>
           <a:prstGeom prst="rect">
             <a:avLst/>
@@ -8393,7 +8393,7 @@
         <p:spPr>
           <a:xfrm>
             <a:off x="838080" y="1825560"/>
-            <a:ext cx="10514880" cy="4350600"/>
+            <a:ext cx="10514160" cy="4349880"/>
           </a:xfrm>
           <a:prstGeom prst="rect">
             <a:avLst/>
@@ -8510,7 +8510,7 @@
         <p:spPr>
           <a:xfrm>
             <a:off x="838080" y="365040"/>
-            <a:ext cx="10514880" cy="1324800"/>
+            <a:ext cx="10514160" cy="1324080"/>
           </a:xfrm>
           <a:prstGeom prst="rect">
             <a:avLst/>
@@ -8565,7 +8565,7 @@
         <p:spPr>
           <a:xfrm>
             <a:off x="838080" y="1825560"/>
-            <a:ext cx="10514880" cy="4350600"/>
+            <a:ext cx="10514160" cy="4349880"/>
           </a:xfrm>
           <a:prstGeom prst="rect">
             <a:avLst/>
@@ -8702,7 +8702,7 @@
         <p:spPr>
           <a:xfrm>
             <a:off x="838080" y="365040"/>
-            <a:ext cx="10514880" cy="1324800"/>
+            <a:ext cx="10514160" cy="1324080"/>
           </a:xfrm>
           <a:prstGeom prst="rect">
             <a:avLst/>
@@ -8757,7 +8757,7 @@
         <p:spPr>
           <a:xfrm>
             <a:off x="838080" y="1825560"/>
-            <a:ext cx="10514880" cy="4350600"/>
+            <a:ext cx="10514160" cy="4349880"/>
           </a:xfrm>
           <a:prstGeom prst="rect">
             <a:avLst/>
@@ -8863,7 +8863,7 @@
         <p:spPr>
           <a:xfrm>
             <a:off x="838080" y="365040"/>
-            <a:ext cx="10514880" cy="1324800"/>
+            <a:ext cx="10514160" cy="1324080"/>
           </a:xfrm>
           <a:prstGeom prst="rect">
             <a:avLst/>
@@ -8918,7 +8918,7 @@
         <p:spPr>
           <a:xfrm>
             <a:off x="838080" y="1825560"/>
-            <a:ext cx="10514880" cy="4350600"/>
+            <a:ext cx="10514160" cy="4349880"/>
           </a:xfrm>
           <a:prstGeom prst="rect">
             <a:avLst/>
@@ -9138,7 +9138,7 @@
         <p:spPr>
           <a:xfrm>
             <a:off x="838080" y="365040"/>
-            <a:ext cx="10514880" cy="1324800"/>
+            <a:ext cx="10514160" cy="1324080"/>
           </a:xfrm>
           <a:prstGeom prst="rect">
             <a:avLst/>
@@ -9193,7 +9193,7 @@
         <p:spPr>
           <a:xfrm>
             <a:off x="838080" y="1825560"/>
-            <a:ext cx="10514880" cy="4350600"/>
+            <a:ext cx="10514160" cy="4349880"/>
           </a:xfrm>
           <a:prstGeom prst="rect">
             <a:avLst/>
@@ -9281,7 +9281,7 @@
         <p:spPr>
           <a:xfrm>
             <a:off x="2301120" y="1122480"/>
-            <a:ext cx="7588440" cy="2386800"/>
+            <a:ext cx="7587720" cy="2386080"/>
           </a:xfrm>
           <a:prstGeom prst="rect">
             <a:avLst/>
@@ -9336,7 +9336,7 @@
         <p:spPr>
           <a:xfrm>
             <a:off x="1523880" y="3602160"/>
-            <a:ext cx="9143280" cy="1654920"/>
+            <a:ext cx="9142560" cy="1654200"/>
           </a:xfrm>
           <a:prstGeom prst="rect">
             <a:avLst/>
@@ -9406,7 +9406,7 @@
         <p:spPr>
           <a:xfrm>
             <a:off x="838080" y="365040"/>
-            <a:ext cx="10514880" cy="1324800"/>
+            <a:ext cx="10514160" cy="1324080"/>
           </a:xfrm>
           <a:prstGeom prst="rect">
             <a:avLst/>
@@ -9461,7 +9461,7 @@
         <p:spPr>
           <a:xfrm>
             <a:off x="838080" y="1825560"/>
-            <a:ext cx="10514880" cy="4350600"/>
+            <a:ext cx="10514160" cy="4349880"/>
           </a:xfrm>
           <a:prstGeom prst="rect">
             <a:avLst/>
@@ -9578,7 +9578,7 @@
         <p:spPr>
           <a:xfrm>
             <a:off x="838080" y="365040"/>
-            <a:ext cx="10514880" cy="1324800"/>
+            <a:ext cx="10514160" cy="1324080"/>
           </a:xfrm>
           <a:prstGeom prst="rect">
             <a:avLst/>
@@ -9633,7 +9633,7 @@
         <p:spPr>
           <a:xfrm>
             <a:off x="838080" y="1825560"/>
-            <a:ext cx="10514880" cy="4350600"/>
+            <a:ext cx="10514160" cy="4349880"/>
           </a:xfrm>
           <a:prstGeom prst="rect">
             <a:avLst/>
@@ -9721,7 +9721,7 @@
         <p:spPr>
           <a:xfrm>
             <a:off x="838080" y="365040"/>
-            <a:ext cx="10514880" cy="1324800"/>
+            <a:ext cx="10514160" cy="1324080"/>
           </a:xfrm>
           <a:prstGeom prst="rect">
             <a:avLst/>
@@ -9776,7 +9776,7 @@
         <p:spPr>
           <a:xfrm>
             <a:off x="838080" y="1825560"/>
-            <a:ext cx="10514880" cy="4350600"/>
+            <a:ext cx="10514160" cy="4349880"/>
           </a:xfrm>
           <a:prstGeom prst="rect">
             <a:avLst/>
@@ -9884,7 +9884,7 @@
         <p:spPr>
           <a:xfrm>
             <a:off x="838080" y="365040"/>
-            <a:ext cx="10514880" cy="1324800"/>
+            <a:ext cx="10514160" cy="1324080"/>
           </a:xfrm>
           <a:prstGeom prst="rect">
             <a:avLst/>
@@ -9939,7 +9939,7 @@
         <p:spPr>
           <a:xfrm>
             <a:off x="838080" y="1825560"/>
-            <a:ext cx="10514880" cy="4350600"/>
+            <a:ext cx="10514160" cy="4349880"/>
           </a:xfrm>
           <a:prstGeom prst="rect">
             <a:avLst/>
@@ -10056,7 +10056,7 @@
         <p:spPr>
           <a:xfrm>
             <a:off x="838080" y="365040"/>
-            <a:ext cx="10514880" cy="1324800"/>
+            <a:ext cx="10514160" cy="1324080"/>
           </a:xfrm>
           <a:prstGeom prst="rect">
             <a:avLst/>
@@ -10111,7 +10111,7 @@
         <p:spPr>
           <a:xfrm>
             <a:off x="838080" y="1825560"/>
-            <a:ext cx="10514880" cy="4350600"/>
+            <a:ext cx="10514160" cy="4349880"/>
           </a:xfrm>
           <a:prstGeom prst="rect">
             <a:avLst/>
@@ -10228,7 +10228,7 @@
         <p:spPr>
           <a:xfrm>
             <a:off x="838080" y="365040"/>
-            <a:ext cx="10514880" cy="1324800"/>
+            <a:ext cx="10514160" cy="1324080"/>
           </a:xfrm>
           <a:prstGeom prst="rect">
             <a:avLst/>
@@ -10283,7 +10283,7 @@
         <p:spPr>
           <a:xfrm>
             <a:off x="838080" y="1825560"/>
-            <a:ext cx="10514880" cy="4350600"/>
+            <a:ext cx="10514160" cy="4349880"/>
           </a:xfrm>
           <a:prstGeom prst="rect">
             <a:avLst/>
@@ -10420,7 +10420,7 @@
         <p:spPr>
           <a:xfrm>
             <a:off x="838080" y="365040"/>
-            <a:ext cx="10514880" cy="1324800"/>
+            <a:ext cx="10514160" cy="1324080"/>
           </a:xfrm>
           <a:prstGeom prst="rect">
             <a:avLst/>
@@ -10475,7 +10475,7 @@
         <p:spPr>
           <a:xfrm>
             <a:off x="838080" y="1825560"/>
-            <a:ext cx="10514880" cy="4350600"/>
+            <a:ext cx="10514160" cy="4349880"/>
           </a:xfrm>
           <a:prstGeom prst="rect">
             <a:avLst/>
@@ -10592,7 +10592,7 @@
         <p:spPr>
           <a:xfrm>
             <a:off x="838080" y="365040"/>
-            <a:ext cx="10514880" cy="1324800"/>
+            <a:ext cx="10514160" cy="1324080"/>
           </a:xfrm>
           <a:prstGeom prst="rect">
             <a:avLst/>
@@ -10647,7 +10647,7 @@
         <p:spPr>
           <a:xfrm>
             <a:off x="838080" y="1825560"/>
-            <a:ext cx="10514880" cy="4350600"/>
+            <a:ext cx="10514160" cy="4349880"/>
           </a:xfrm>
           <a:prstGeom prst="rect">
             <a:avLst/>
@@ -10813,7 +10813,7 @@
         <p:spPr>
           <a:xfrm>
             <a:off x="838080" y="365040"/>
-            <a:ext cx="10514880" cy="1324800"/>
+            <a:ext cx="10514160" cy="1324080"/>
           </a:xfrm>
           <a:prstGeom prst="rect">
             <a:avLst/>
@@ -10868,7 +10868,7 @@
         <p:spPr>
           <a:xfrm>
             <a:off x="838080" y="1825560"/>
-            <a:ext cx="10514880" cy="4350600"/>
+            <a:ext cx="10514160" cy="4349880"/>
           </a:xfrm>
           <a:prstGeom prst="rect">
             <a:avLst/>
@@ -11121,7 +11121,7 @@
         <p:spPr>
           <a:xfrm>
             <a:off x="838080" y="365040"/>
-            <a:ext cx="10514880" cy="1324800"/>
+            <a:ext cx="10514160" cy="1324080"/>
           </a:xfrm>
           <a:prstGeom prst="rect">
             <a:avLst/>
@@ -11176,7 +11176,7 @@
         <p:spPr>
           <a:xfrm>
             <a:off x="838080" y="1825560"/>
-            <a:ext cx="10514880" cy="4350600"/>
+            <a:ext cx="10514160" cy="4349880"/>
           </a:xfrm>
           <a:prstGeom prst="rect">
             <a:avLst/>
@@ -11313,7 +11313,7 @@
         <p:spPr>
           <a:xfrm>
             <a:off x="838080" y="365040"/>
-            <a:ext cx="10514880" cy="1324800"/>
+            <a:ext cx="10514160" cy="1324080"/>
           </a:xfrm>
           <a:prstGeom prst="rect">
             <a:avLst/>
@@ -11368,7 +11368,7 @@
         <p:spPr>
           <a:xfrm>
             <a:off x="838080" y="1825560"/>
-            <a:ext cx="10514880" cy="4350600"/>
+            <a:ext cx="10514160" cy="4349880"/>
           </a:xfrm>
           <a:prstGeom prst="rect">
             <a:avLst/>
@@ -11514,7 +11514,7 @@
         <p:spPr>
           <a:xfrm>
             <a:off x="2493360" y="1122480"/>
-            <a:ext cx="7204320" cy="2386800"/>
+            <a:ext cx="7203600" cy="2386080"/>
           </a:xfrm>
           <a:prstGeom prst="rect">
             <a:avLst/>
@@ -11569,7 +11569,7 @@
         <p:spPr>
           <a:xfrm>
             <a:off x="1523880" y="3602160"/>
-            <a:ext cx="9143280" cy="1654920"/>
+            <a:ext cx="9142560" cy="1654200"/>
           </a:xfrm>
           <a:prstGeom prst="rect">
             <a:avLst/>
@@ -11639,7 +11639,7 @@
         <p:spPr>
           <a:xfrm>
             <a:off x="838080" y="365040"/>
-            <a:ext cx="10514880" cy="1324800"/>
+            <a:ext cx="10514160" cy="1324080"/>
           </a:xfrm>
           <a:prstGeom prst="rect">
             <a:avLst/>
@@ -11694,7 +11694,7 @@
         <p:spPr>
           <a:xfrm>
             <a:off x="838080" y="1825560"/>
-            <a:ext cx="10514880" cy="4350600"/>
+            <a:ext cx="10514160" cy="4349880"/>
           </a:xfrm>
           <a:prstGeom prst="rect">
             <a:avLst/>
@@ -11840,7 +11840,7 @@
         <p:spPr>
           <a:xfrm>
             <a:off x="838080" y="365040"/>
-            <a:ext cx="10514880" cy="1324800"/>
+            <a:ext cx="10514160" cy="1324080"/>
           </a:xfrm>
           <a:prstGeom prst="rect">
             <a:avLst/>
@@ -11895,7 +11895,7 @@
         <p:spPr>
           <a:xfrm>
             <a:off x="838080" y="1825560"/>
-            <a:ext cx="10514880" cy="4350600"/>
+            <a:ext cx="10514160" cy="4349880"/>
           </a:xfrm>
           <a:prstGeom prst="rect">
             <a:avLst/>
@@ -12012,7 +12012,7 @@
         <p:spPr>
           <a:xfrm>
             <a:off x="3960000" y="1122480"/>
-            <a:ext cx="4237560" cy="2386800"/>
+            <a:ext cx="4236840" cy="2386080"/>
           </a:xfrm>
           <a:prstGeom prst="rect">
             <a:avLst/>
@@ -12067,7 +12067,7 @@
         <p:spPr>
           <a:xfrm>
             <a:off x="1523880" y="3602160"/>
-            <a:ext cx="9143280" cy="1654920"/>
+            <a:ext cx="9142560" cy="1654200"/>
           </a:xfrm>
           <a:prstGeom prst="rect">
             <a:avLst/>
@@ -12137,7 +12137,7 @@
         <p:spPr>
           <a:xfrm>
             <a:off x="838080" y="365040"/>
-            <a:ext cx="10514880" cy="1324800"/>
+            <a:ext cx="10514160" cy="1324080"/>
           </a:xfrm>
           <a:prstGeom prst="rect">
             <a:avLst/>
@@ -12192,7 +12192,7 @@
         <p:spPr>
           <a:xfrm>
             <a:off x="838080" y="1825560"/>
-            <a:ext cx="10514880" cy="4350600"/>
+            <a:ext cx="10514160" cy="4349880"/>
           </a:xfrm>
           <a:prstGeom prst="rect">
             <a:avLst/>
@@ -12309,7 +12309,7 @@
         <p:spPr>
           <a:xfrm>
             <a:off x="838080" y="365040"/>
-            <a:ext cx="10514880" cy="1324800"/>
+            <a:ext cx="10514160" cy="1324080"/>
           </a:xfrm>
           <a:prstGeom prst="rect">
             <a:avLst/>
@@ -12367,7 +12367,7 @@
         <p:spPr>
           <a:xfrm>
             <a:off x="838080" y="1571760"/>
-            <a:ext cx="10514880" cy="4350600"/>
+            <a:ext cx="10514160" cy="4349880"/>
           </a:xfrm>
           <a:prstGeom prst="rect">
             <a:avLst/>
@@ -12513,7 +12513,7 @@
         <p:spPr>
           <a:xfrm>
             <a:off x="838080" y="365040"/>
-            <a:ext cx="10514880" cy="1324800"/>
+            <a:ext cx="10514160" cy="1324080"/>
           </a:xfrm>
           <a:prstGeom prst="rect">
             <a:avLst/>
@@ -12568,7 +12568,7 @@
         <p:spPr>
           <a:xfrm>
             <a:off x="838080" y="1825560"/>
-            <a:ext cx="10514880" cy="4350600"/>
+            <a:ext cx="10514160" cy="4349880"/>
           </a:xfrm>
           <a:prstGeom prst="rect">
             <a:avLst/>
@@ -12706,7 +12706,7 @@
         <p:spPr>
           <a:xfrm>
             <a:off x="838080" y="365040"/>
-            <a:ext cx="10514880" cy="1324800"/>
+            <a:ext cx="10514160" cy="1324080"/>
           </a:xfrm>
           <a:prstGeom prst="rect">
             <a:avLst/>
@@ -12761,7 +12761,7 @@
         <p:spPr>
           <a:xfrm>
             <a:off x="838080" y="1825560"/>
-            <a:ext cx="10514880" cy="4350600"/>
+            <a:ext cx="10514160" cy="4349880"/>
           </a:xfrm>
           <a:prstGeom prst="rect">
             <a:avLst/>
@@ -12898,7 +12898,7 @@
         <p:spPr>
           <a:xfrm>
             <a:off x="838080" y="365040"/>
-            <a:ext cx="10514880" cy="1324800"/>
+            <a:ext cx="10514160" cy="1324080"/>
           </a:xfrm>
           <a:prstGeom prst="rect">
             <a:avLst/>
@@ -12953,7 +12953,7 @@
         <p:spPr>
           <a:xfrm>
             <a:off x="838080" y="1825560"/>
-            <a:ext cx="10514880" cy="1519200"/>
+            <a:ext cx="10514160" cy="1518480"/>
           </a:xfrm>
           <a:prstGeom prst="rect">
             <a:avLst/>
@@ -13081,8 +13081,8 @@
         </p:nvSpPr>
         <p:spPr>
           <a:xfrm>
-            <a:off x="5009400" y="1122480"/>
-            <a:ext cx="2172240" cy="2386800"/>
+            <a:off x="4860000" y="1122480"/>
+            <a:ext cx="3059640" cy="2386080"/>
           </a:xfrm>
           <a:prstGeom prst="rect">
             <a:avLst/>
@@ -13140,7 +13140,7 @@
         <p:spPr>
           <a:xfrm>
             <a:off x="1523880" y="3602160"/>
-            <a:ext cx="9143280" cy="1654920"/>
+            <a:ext cx="9142560" cy="1654200"/>
           </a:xfrm>
           <a:prstGeom prst="rect">
             <a:avLst/>
@@ -13210,7 +13210,7 @@
         <p:spPr>
           <a:xfrm>
             <a:off x="838080" y="365040"/>
-            <a:ext cx="10514880" cy="1324800"/>
+            <a:ext cx="10514160" cy="1324080"/>
           </a:xfrm>
           <a:prstGeom prst="rect">
             <a:avLst/>
@@ -13265,7 +13265,7 @@
         <p:spPr>
           <a:xfrm>
             <a:off x="838080" y="1825560"/>
-            <a:ext cx="10514880" cy="4350600"/>
+            <a:ext cx="10514160" cy="4349880"/>
           </a:xfrm>
           <a:prstGeom prst="rect">
             <a:avLst/>
@@ -13670,7 +13670,7 @@
         <p:spPr>
           <a:xfrm>
             <a:off x="838080" y="365040"/>
-            <a:ext cx="10514880" cy="1324800"/>
+            <a:ext cx="10514160" cy="1324080"/>
           </a:xfrm>
           <a:prstGeom prst="rect">
             <a:avLst/>
@@ -13725,7 +13725,7 @@
         <p:spPr>
           <a:xfrm>
             <a:off x="838080" y="1825560"/>
-            <a:ext cx="10514880" cy="4350600"/>
+            <a:ext cx="10514160" cy="4349880"/>
           </a:xfrm>
           <a:prstGeom prst="rect">
             <a:avLst/>
@@ -13880,7 +13880,7 @@
         <p:spPr>
           <a:xfrm>
             <a:off x="838080" y="365040"/>
-            <a:ext cx="10514880" cy="1324800"/>
+            <a:ext cx="10514160" cy="1324080"/>
           </a:xfrm>
           <a:prstGeom prst="rect">
             <a:avLst/>
@@ -13935,7 +13935,7 @@
         <p:spPr>
           <a:xfrm>
             <a:off x="838080" y="1825560"/>
-            <a:ext cx="10514880" cy="4350600"/>
+            <a:ext cx="10514160" cy="4349880"/>
           </a:xfrm>
           <a:prstGeom prst="rect">
             <a:avLst/>
